--- a/UAF/2017/CVE-2017-17053.pptx
+++ b/UAF/2017/CVE-2017-17053.pptx
@@ -8,8 +8,12 @@
     <p:sldId id="256" r:id="rId3"/>
     <p:sldId id="258" r:id="rId4"/>
     <p:sldId id="257" r:id="rId5"/>
-    <p:sldId id="259" r:id="rId6"/>
-    <p:sldId id="260" r:id="rId7"/>
+    <p:sldId id="264" r:id="rId6"/>
+    <p:sldId id="265" r:id="rId7"/>
+    <p:sldId id="259" r:id="rId8"/>
+    <p:sldId id="260" r:id="rId9"/>
+    <p:sldId id="263" r:id="rId10"/>
+    <p:sldId id="262" r:id="rId11"/>
   </p:sldIdLst>
   <p:sldSz cx="12192000" cy="6858000"/>
   <p:notesSz cx="7103745" cy="10234295"/>
@@ -2646,10 +2650,10 @@
           <a:bodyPr/>
           <a:p>
             <a:r>
-              <a:rPr lang="" altLang="en-US"/>
-              <a:t>CVE ID</a:t>
-            </a:r>
-            <a:endParaRPr lang="" altLang="en-US"/>
+              <a:rPr lang="en-US" altLang="en-US"/>
+              <a:t>CVE-2017-17053</a:t>
+            </a:r>
+            <a:endParaRPr lang="en-US" altLang="en-US"/>
           </a:p>
         </p:txBody>
       </p:sp>
@@ -2704,30 +2708,79 @@
           <a:bodyPr/>
           <a:p>
             <a:r>
+              <a:rPr lang="en-US" altLang="en-US"/>
+              <a:t>Description</a:t>
+            </a:r>
+            <a:endParaRPr lang="en-US" altLang="en-US"/>
+          </a:p>
+        </p:txBody>
+      </p:sp>
+      <p:sp>
+        <p:nvSpPr>
+          <p:cNvPr id="3" name="Content Placeholder 2"/>
+          <p:cNvSpPr>
+            <a:spLocks noGrp="1"/>
+          </p:cNvSpPr>
+          <p:nvPr>
+            <p:ph idx="1"/>
+          </p:nvPr>
+        </p:nvSpPr>
+        <p:spPr/>
+        <p:txBody>
+          <a:bodyPr/>
+          <a:p>
+            <a:pPr marL="0" indent="0">
+              <a:buNone/>
+            </a:pPr>
+            <a:r>
+              <a:rPr lang="en-US" altLang="en-US"/>
+              <a:t>The init_new_context function in arch/x86/include/asm/mmu_context.h in the Linux kernel before </a:t>
+            </a:r>
+            <a:r>
+              <a:rPr lang="en-US" altLang="en-US">
+                <a:solidFill>
+                  <a:srgbClr val="FF0000"/>
+                </a:solidFill>
+              </a:rPr>
+              <a:t>4.12.10</a:t>
+            </a:r>
+            <a:r>
+              <a:rPr lang="en-US" altLang="en-US"/>
+              <a:t> does not correctly handle errors from LDT table allocation when forking a new process, allowing a local attacker to achieve a use-after-free or possibly have unspecified other impact by running a specially crafted program. This vulnerability only affected kernels built with CONFIG_MODIFY_LDT_SYSCALL=y.	</a:t>
+            </a:r>
+            <a:endParaRPr lang="en-US" altLang="en-US"/>
+          </a:p>
+        </p:txBody>
+      </p:sp>
+      <p:sp>
+        <p:nvSpPr>
+          <p:cNvPr id="8" name="Text Box 7"/>
+          <p:cNvSpPr txBox="1"/>
+          <p:nvPr/>
+        </p:nvSpPr>
+        <p:spPr>
+          <a:xfrm>
+            <a:off x="5090160" y="4785360"/>
+            <a:ext cx="5892800" cy="645160"/>
+          </a:xfrm>
+          <a:prstGeom prst="rect">
+            <a:avLst/>
+          </a:prstGeom>
+          <a:noFill/>
+          <a:ln w="19050">
+            <a:solidFill>
+              <a:srgbClr val="FF0000"/>
+            </a:solidFill>
+          </a:ln>
+        </p:spPr>
+        <p:txBody>
+          <a:bodyPr wrap="square" rtlCol="0">
+            <a:spAutoFit/>
+          </a:bodyPr>
+          <a:p>
+            <a:r>
               <a:rPr lang="" altLang="en-US"/>
-              <a:t>Description</a:t>
-            </a:r>
-            <a:endParaRPr lang="" altLang="en-US"/>
-          </a:p>
-        </p:txBody>
-      </p:sp>
-      <p:sp>
-        <p:nvSpPr>
-          <p:cNvPr id="3" name="Content Placeholder 2"/>
-          <p:cNvSpPr>
-            <a:spLocks noGrp="1"/>
-          </p:cNvSpPr>
-          <p:nvPr>
-            <p:ph idx="1"/>
-          </p:nvPr>
-        </p:nvSpPr>
-        <p:spPr/>
-        <p:txBody>
-          <a:bodyPr/>
-          <a:p>
-            <a:r>
-              <a:rPr lang="" altLang="en-US"/>
-              <a:t>feel free to extend if you think one page is not enough.</a:t>
+              <a:t>CONFIG_MODIFY_LDT_SYSCALL is enabled by default on Debian.</a:t>
             </a:r>
             <a:endParaRPr lang="" altLang="en-US"/>
           </a:p>
@@ -2766,34 +2819,149 @@
           <a:bodyPr/>
           <a:p>
             <a:r>
-              <a:rPr lang="" altLang="en-US"/>
+              <a:rPr lang="en-US" altLang="en-US"/>
               <a:t>Root Cause</a:t>
             </a:r>
-            <a:endParaRPr lang="" altLang="en-US"/>
-          </a:p>
-        </p:txBody>
-      </p:sp>
-      <p:sp>
-        <p:nvSpPr>
-          <p:cNvPr id="3" name="Content Placeholder 2"/>
-          <p:cNvSpPr>
-            <a:spLocks noGrp="1"/>
-          </p:cNvSpPr>
+            <a:endParaRPr lang="en-US" altLang="en-US"/>
+          </a:p>
+        </p:txBody>
+      </p:sp>
+      <p:pic>
+        <p:nvPicPr>
+          <p:cNvPr id="4" name="Content Placeholder 3" descr="Screenshot from 2018-12-26 16-24-43"/>
+          <p:cNvPicPr>
+            <a:picLocks noChangeAspect="1"/>
+          </p:cNvPicPr>
           <p:nvPr>
             <p:ph idx="1"/>
           </p:nvPr>
-        </p:nvSpPr>
-        <p:spPr/>
-        <p:txBody>
-          <a:bodyPr/>
-          <a:p>
-            <a:r>
-              <a:rPr lang="en-US" altLang="en-US">
-                <a:sym typeface="+mn-ea"/>
+        </p:nvPicPr>
+        <p:blipFill>
+          <a:blip r:embed="rId1"/>
+          <a:stretch>
+            <a:fillRect/>
+          </a:stretch>
+        </p:blipFill>
+        <p:spPr>
+          <a:xfrm>
+            <a:off x="838200" y="1534160"/>
+            <a:ext cx="5581650" cy="3590925"/>
+          </a:xfrm>
+          <a:prstGeom prst="rect">
+            <a:avLst/>
+          </a:prstGeom>
+        </p:spPr>
+      </p:pic>
+      <p:pic>
+        <p:nvPicPr>
+          <p:cNvPr id="5" name="Picture 4" descr="Screenshot from 2018-12-26 16-38-44"/>
+          <p:cNvPicPr>
+            <a:picLocks noChangeAspect="1"/>
+          </p:cNvPicPr>
+          <p:nvPr/>
+        </p:nvPicPr>
+        <p:blipFill>
+          <a:blip r:embed="rId2"/>
+          <a:stretch>
+            <a:fillRect/>
+          </a:stretch>
+        </p:blipFill>
+        <p:spPr>
+          <a:xfrm>
+            <a:off x="6419850" y="1534160"/>
+            <a:ext cx="4999990" cy="2428875"/>
+          </a:xfrm>
+          <a:prstGeom prst="rect">
+            <a:avLst/>
+          </a:prstGeom>
+        </p:spPr>
+      </p:pic>
+      <p:sp>
+        <p:nvSpPr>
+          <p:cNvPr id="6" name="Text Box 5"/>
+          <p:cNvSpPr txBox="1"/>
+          <p:nvPr/>
+        </p:nvSpPr>
+        <p:spPr>
+          <a:xfrm>
+            <a:off x="1837055" y="5952490"/>
+            <a:ext cx="8517255" cy="368300"/>
+          </a:xfrm>
+          <a:prstGeom prst="rect">
+            <a:avLst/>
+          </a:prstGeom>
+          <a:noFill/>
+        </p:spPr>
+        <p:txBody>
+          <a:bodyPr wrap="square" rtlCol="0">
+            <a:spAutoFit/>
+          </a:bodyPr>
+          <a:p>
+            <a:r>
+              <a:rPr lang="en-US">
+                <a:hlinkClick r:id="rId3" tooltip="" action="ppaction://hlinkfile"/>
               </a:rPr>
-              <a:t>feel free to extend if you think one page is not enough.</a:t>
-            </a:r>
-            <a:endParaRPr lang="en-US"/>
+              <a:t>https://elixir.bootlin.com/linux/v4.12.9/source/arch/x86/include/asm/mmu_context.h</a:t>
+            </a:r>
+            <a:endParaRPr lang="en-US"/>
+          </a:p>
+        </p:txBody>
+      </p:sp>
+      <p:sp>
+        <p:nvSpPr>
+          <p:cNvPr id="7" name="Text Box 6"/>
+          <p:cNvSpPr txBox="1"/>
+          <p:nvPr/>
+        </p:nvSpPr>
+        <p:spPr>
+          <a:xfrm>
+            <a:off x="6770370" y="4081145"/>
+            <a:ext cx="4933950" cy="1753235"/>
+          </a:xfrm>
+          <a:prstGeom prst="rect">
+            <a:avLst/>
+          </a:prstGeom>
+          <a:noFill/>
+          <a:ln w="19050">
+            <a:solidFill>
+              <a:srgbClr val="FF0000"/>
+            </a:solidFill>
+          </a:ln>
+        </p:spPr>
+        <p:txBody>
+          <a:bodyPr wrap="square" rtlCol="0">
+            <a:spAutoFit/>
+          </a:bodyPr>
+          <a:p>
+            <a:r>
+              <a:rPr lang="" altLang="en-US">
+                <a:solidFill>
+                  <a:srgbClr val="FF0000"/>
+                </a:solidFill>
+              </a:rPr>
+              <a:t>It always return 0 whatever the return value of </a:t>
+            </a:r>
+            <a:r>
+              <a:rPr lang="" altLang="en-US" i="1">
+                <a:solidFill>
+                  <a:srgbClr val="FF0000"/>
+                </a:solidFill>
+              </a:rPr>
+              <a:t>init_new_context_ldt</a:t>
+            </a:r>
+            <a:r>
+              <a:rPr lang="" altLang="en-US">
+                <a:solidFill>
+                  <a:srgbClr val="FF0000"/>
+                </a:solidFill>
+              </a:rPr>
+              <a:t> is. When the return value is not zero, or it fails to allocate the new LDT structure(i.e., no memory), the child process will keep a copy of mm struct in the prarent task struct.</a:t>
+            </a:r>
+            <a:endParaRPr lang="" altLang="en-US">
+              <a:solidFill>
+                <a:srgbClr val="FF0000"/>
+              </a:solidFill>
+            </a:endParaRPr>
           </a:p>
         </p:txBody>
       </p:sp>
@@ -2830,8 +2998,63 @@
           <a:bodyPr/>
           <a:p>
             <a:r>
+              <a:rPr lang="en-US" altLang="en-US"/>
+              <a:t>Root Cause</a:t>
+            </a:r>
+            <a:endParaRPr lang="en-US" altLang="en-US"/>
+          </a:p>
+        </p:txBody>
+      </p:sp>
+      <p:pic>
+        <p:nvPicPr>
+          <p:cNvPr id="4" name="Content Placeholder 3" descr="Screenshot from 2018-12-26 16-42-00"/>
+          <p:cNvPicPr>
+            <a:picLocks noChangeAspect="1"/>
+          </p:cNvPicPr>
+          <p:nvPr>
+            <p:ph idx="1"/>
+          </p:nvPr>
+        </p:nvPicPr>
+        <p:blipFill>
+          <a:blip r:embed="rId1"/>
+          <a:stretch>
+            <a:fillRect/>
+          </a:stretch>
+        </p:blipFill>
+        <p:spPr>
+          <a:xfrm>
+            <a:off x="838200" y="1370965"/>
+            <a:ext cx="5245735" cy="5484495"/>
+          </a:xfrm>
+          <a:prstGeom prst="rect">
+            <a:avLst/>
+          </a:prstGeom>
+        </p:spPr>
+      </p:pic>
+      <p:sp>
+        <p:nvSpPr>
+          <p:cNvPr id="5" name="Text Box 4"/>
+          <p:cNvSpPr txBox="1"/>
+          <p:nvPr/>
+        </p:nvSpPr>
+        <p:spPr>
+          <a:xfrm>
+            <a:off x="4867275" y="1946275"/>
+            <a:ext cx="3510280" cy="368300"/>
+          </a:xfrm>
+          <a:prstGeom prst="rect">
+            <a:avLst/>
+          </a:prstGeom>
+          <a:noFill/>
+        </p:spPr>
+        <p:txBody>
+          <a:bodyPr wrap="square" rtlCol="0">
+            <a:spAutoFit/>
+          </a:bodyPr>
+          <a:p>
+            <a:r>
               <a:rPr lang="" altLang="en-US"/>
-              <a:t>Patch</a:t>
+              <a:t>retval = 0 has no problem here.</a:t>
             </a:r>
             <a:endParaRPr lang="" altLang="en-US"/>
           </a:p>
@@ -2839,23 +3062,75 @@
       </p:sp>
       <p:sp>
         <p:nvSpPr>
-          <p:cNvPr id="3" name="Content Placeholder 2"/>
-          <p:cNvSpPr>
-            <a:spLocks noGrp="1"/>
-          </p:cNvSpPr>
-          <p:nvPr>
-            <p:ph idx="1"/>
-          </p:nvPr>
-        </p:nvSpPr>
-        <p:spPr/>
-        <p:txBody>
-          <a:bodyPr/>
+          <p:cNvPr id="6" name="Text Box 5"/>
+          <p:cNvSpPr txBox="1"/>
+          <p:nvPr/>
+        </p:nvSpPr>
+        <p:spPr>
+          <a:xfrm>
+            <a:off x="4411980" y="4582795"/>
+            <a:ext cx="5926455" cy="368300"/>
+          </a:xfrm>
+          <a:prstGeom prst="rect">
+            <a:avLst/>
+          </a:prstGeom>
+          <a:noFill/>
+        </p:spPr>
+        <p:txBody>
+          <a:bodyPr wrap="square" rtlCol="0">
+            <a:spAutoFit/>
+          </a:bodyPr>
           <a:p>
             <a:r>
               <a:rPr lang="en-US" altLang="en-US">
-                <a:sym typeface="+mn-ea"/>
+                <a:solidFill>
+                  <a:srgbClr val="FF0000"/>
+                </a:solidFill>
               </a:rPr>
-              <a:t>feel free to extend if you think one page is not enough.</a:t>
+              <a:t>retval = </a:t>
+            </a:r>
+            <a:r>
+              <a:rPr lang="" altLang="en-US">
+                <a:solidFill>
+                  <a:srgbClr val="FF0000"/>
+                </a:solidFill>
+              </a:rPr>
+              <a:t>-ENOMEM is not handled by its parent function.</a:t>
+            </a:r>
+            <a:endParaRPr lang="" altLang="en-US">
+              <a:solidFill>
+                <a:srgbClr val="FF0000"/>
+              </a:solidFill>
+            </a:endParaRPr>
+          </a:p>
+        </p:txBody>
+      </p:sp>
+      <p:sp>
+        <p:nvSpPr>
+          <p:cNvPr id="7" name="Text Box 6"/>
+          <p:cNvSpPr txBox="1"/>
+          <p:nvPr/>
+        </p:nvSpPr>
+        <p:spPr>
+          <a:xfrm>
+            <a:off x="4603115" y="6404610"/>
+            <a:ext cx="7423150" cy="368300"/>
+          </a:xfrm>
+          <a:prstGeom prst="rect">
+            <a:avLst/>
+          </a:prstGeom>
+          <a:noFill/>
+        </p:spPr>
+        <p:txBody>
+          <a:bodyPr wrap="square" rtlCol="0">
+            <a:spAutoFit/>
+          </a:bodyPr>
+          <a:p>
+            <a:r>
+              <a:rPr lang="en-US">
+                <a:hlinkClick r:id="rId2" tooltip="" action="ppaction://hlinkfile"/>
+              </a:rPr>
+              <a:t>https://elixir.bootlin.com/linux/v4.12.9/source/arch/x86/kernel/ldt.c#L106</a:t>
             </a:r>
             <a:endParaRPr lang="en-US"/>
           </a:p>
@@ -2894,10 +3169,10 @@
           <a:bodyPr/>
           <a:p>
             <a:r>
-              <a:rPr lang="" altLang="en-US"/>
-              <a:t>Patch Analysis</a:t>
-            </a:r>
-            <a:endParaRPr lang="" altLang="en-US"/>
+              <a:rPr lang="en-US" altLang="en-US"/>
+              <a:t>Root Cause</a:t>
+            </a:r>
+            <a:endParaRPr lang="en-US" altLang="en-US"/>
           </a:p>
         </p:txBody>
       </p:sp>
@@ -2916,10 +3191,368 @@
           <a:bodyPr/>
           <a:p>
             <a:r>
-              <a:rPr lang="en-US" altLang="en-US">
+              <a:rPr lang="" altLang="en-US">
+                <a:solidFill>
+                  <a:srgbClr val="FF0000"/>
+                </a:solidFill>
+              </a:rPr>
+              <a:t>When </a:t>
+            </a:r>
+            <a:r>
+              <a:rPr lang="en-US" altLang="en-US" i="1">
+                <a:solidFill>
+                  <a:srgbClr val="FF0000"/>
+                </a:solidFill>
                 <a:sym typeface="+mn-ea"/>
               </a:rPr>
-              <a:t>feel free to extend if you think one page is not enough.</a:t>
+              <a:t>init_new_context_ldt </a:t>
+            </a:r>
+            <a:r>
+              <a:rPr lang="" altLang="en-US" i="1">
+                <a:solidFill>
+                  <a:srgbClr val="FF0000"/>
+                </a:solidFill>
+                <a:sym typeface="+mn-ea"/>
+              </a:rPr>
+              <a:t>fails to allocate new LDT structure,</a:t>
+            </a:r>
+            <a:r>
+              <a:rPr lang="" altLang="en-US">
+                <a:solidFill>
+                  <a:srgbClr val="FF0000"/>
+                </a:solidFill>
+                <a:sym typeface="+mn-ea"/>
+              </a:rPr>
+              <a:t> it</a:t>
+            </a:r>
+            <a:r>
+              <a:rPr lang="en-US">
+                <a:solidFill>
+                  <a:srgbClr val="FF0000"/>
+                </a:solidFill>
+              </a:rPr>
+              <a:t> means that the child process will have this pointer pointing to the same LDT structure as the parent process.</a:t>
+            </a:r>
+            <a:r>
+              <a:rPr lang="en-US"/>
+              <a:t> </a:t>
+            </a:r>
+            <a:r>
+              <a:rPr lang="en-US">
+                <a:solidFill>
+                  <a:srgbClr val="00B050"/>
+                </a:solidFill>
+              </a:rPr>
+              <a:t>This means that if the child process exits, this LDT structure pointer will be freed but the parent process will still try to use it.</a:t>
+            </a:r>
+            <a:r>
+              <a:rPr lang="en-US"/>
+              <a:t> This use-after-free (UAF) vulnerability was fixed by ensuring that init_new_context() will not ignore the return value of init_new_context_ldt() and return whatever it gets from it rather than zero.</a:t>
+            </a:r>
+            <a:endParaRPr lang="en-US"/>
+          </a:p>
+        </p:txBody>
+      </p:sp>
+    </p:spTree>
+  </p:cSld>
+  <p:clrMapOvr>
+    <a:masterClrMapping/>
+  </p:clrMapOvr>
+</p:sld>
+</file>
+
+<file path=ppt/slides/slide6.xml><?xml version="1.0" encoding="utf-8"?>
+<p:sld xmlns:a="http://schemas.openxmlformats.org/drawingml/2006/main" xmlns:r="http://schemas.openxmlformats.org/officeDocument/2006/relationships" xmlns:p="http://schemas.openxmlformats.org/presentationml/2006/main">
+  <p:cSld>
+    <p:spTree>
+      <p:nvGrpSpPr>
+        <p:cNvPr id="1" name=""/>
+        <p:cNvGrpSpPr/>
+        <p:nvPr/>
+      </p:nvGrpSpPr>
+      <p:grpSpPr/>
+      <p:sp>
+        <p:nvSpPr>
+          <p:cNvPr id="2" name="Title 1"/>
+          <p:cNvSpPr>
+            <a:spLocks noGrp="1"/>
+          </p:cNvSpPr>
+          <p:nvPr>
+            <p:ph type="title"/>
+          </p:nvPr>
+        </p:nvSpPr>
+        <p:spPr/>
+        <p:txBody>
+          <a:bodyPr/>
+          <a:p>
+            <a:r>
+              <a:rPr lang="en-US" altLang="en-US"/>
+              <a:t>Patch</a:t>
+            </a:r>
+            <a:endParaRPr lang="en-US" altLang="en-US"/>
+          </a:p>
+        </p:txBody>
+      </p:sp>
+      <p:pic>
+        <p:nvPicPr>
+          <p:cNvPr id="6" name="Content Placeholder 5" descr="Screenshot from 2018-12-26 17-01-44"/>
+          <p:cNvPicPr>
+            <a:picLocks noChangeAspect="1"/>
+          </p:cNvPicPr>
+          <p:nvPr>
+            <p:ph idx="1"/>
+          </p:nvPr>
+        </p:nvPicPr>
+        <p:blipFill>
+          <a:blip r:embed="rId1"/>
+          <a:stretch>
+            <a:fillRect/>
+          </a:stretch>
+        </p:blipFill>
+        <p:spPr>
+          <a:xfrm>
+            <a:off x="838200" y="1456690"/>
+            <a:ext cx="5353050" cy="2962275"/>
+          </a:xfrm>
+          <a:prstGeom prst="rect">
+            <a:avLst/>
+          </a:prstGeom>
+        </p:spPr>
+      </p:pic>
+      <p:pic>
+        <p:nvPicPr>
+          <p:cNvPr id="7" name="Picture 6" descr="Screenshot from 2018-12-26 17-02-05"/>
+          <p:cNvPicPr>
+            <a:picLocks noChangeAspect="1"/>
+          </p:cNvPicPr>
+          <p:nvPr/>
+        </p:nvPicPr>
+        <p:blipFill>
+          <a:blip r:embed="rId2"/>
+          <a:stretch>
+            <a:fillRect/>
+          </a:stretch>
+        </p:blipFill>
+        <p:spPr>
+          <a:xfrm>
+            <a:off x="6191250" y="1456690"/>
+            <a:ext cx="5819140" cy="2980690"/>
+          </a:xfrm>
+          <a:prstGeom prst="rect">
+            <a:avLst/>
+          </a:prstGeom>
+        </p:spPr>
+      </p:pic>
+    </p:spTree>
+  </p:cSld>
+  <p:clrMapOvr>
+    <a:masterClrMapping/>
+  </p:clrMapOvr>
+</p:sld>
+</file>
+
+<file path=ppt/slides/slide7.xml><?xml version="1.0" encoding="utf-8"?>
+<p:sld xmlns:a="http://schemas.openxmlformats.org/drawingml/2006/main" xmlns:r="http://schemas.openxmlformats.org/officeDocument/2006/relationships" xmlns:p="http://schemas.openxmlformats.org/presentationml/2006/main">
+  <p:cSld>
+    <p:spTree>
+      <p:nvGrpSpPr>
+        <p:cNvPr id="1" name=""/>
+        <p:cNvGrpSpPr/>
+        <p:nvPr/>
+      </p:nvGrpSpPr>
+      <p:grpSpPr/>
+      <p:sp>
+        <p:nvSpPr>
+          <p:cNvPr id="2" name="Title 1"/>
+          <p:cNvSpPr>
+            <a:spLocks noGrp="1"/>
+          </p:cNvSpPr>
+          <p:nvPr>
+            <p:ph type="title"/>
+          </p:nvPr>
+        </p:nvSpPr>
+        <p:spPr/>
+        <p:txBody>
+          <a:bodyPr/>
+          <a:p>
+            <a:r>
+              <a:rPr lang="en-US" altLang="en-US"/>
+              <a:t>Patch Analysis</a:t>
+            </a:r>
+            <a:endParaRPr lang="en-US" altLang="en-US"/>
+          </a:p>
+        </p:txBody>
+      </p:sp>
+      <p:sp>
+        <p:nvSpPr>
+          <p:cNvPr id="3" name="Content Placeholder 2"/>
+          <p:cNvSpPr>
+            <a:spLocks noGrp="1"/>
+          </p:cNvSpPr>
+          <p:nvPr>
+            <p:ph idx="1"/>
+          </p:nvPr>
+        </p:nvSpPr>
+        <p:spPr/>
+        <p:txBody>
+          <a:bodyPr/>
+          <a:p>
+            <a:r>
+              <a:rPr lang="en-US" altLang="en-US" i="1">
+                <a:solidFill>
+                  <a:srgbClr val="FF0000"/>
+                </a:solidFill>
+                <a:sym typeface="+mn-ea"/>
+              </a:rPr>
+              <a:t>Directly return the value of init_new_context_ldt other than 0.</a:t>
+            </a:r>
+            <a:endParaRPr lang="en-US"/>
+          </a:p>
+        </p:txBody>
+      </p:sp>
+    </p:spTree>
+  </p:cSld>
+  <p:clrMapOvr>
+    <a:masterClrMapping/>
+  </p:clrMapOvr>
+</p:sld>
+</file>
+
+<file path=ppt/slides/slide8.xml><?xml version="1.0" encoding="utf-8"?>
+<p:sld xmlns:a="http://schemas.openxmlformats.org/drawingml/2006/main" xmlns:r="http://schemas.openxmlformats.org/officeDocument/2006/relationships" xmlns:p="http://schemas.openxmlformats.org/presentationml/2006/main">
+  <p:cSld>
+    <p:spTree>
+      <p:nvGrpSpPr>
+        <p:cNvPr id="1" name=""/>
+        <p:cNvGrpSpPr/>
+        <p:nvPr/>
+      </p:nvGrpSpPr>
+      <p:grpSpPr/>
+      <p:sp>
+        <p:nvSpPr>
+          <p:cNvPr id="2" name="Title 1"/>
+          <p:cNvSpPr>
+            <a:spLocks noGrp="1"/>
+          </p:cNvSpPr>
+          <p:nvPr>
+            <p:ph type="title"/>
+          </p:nvPr>
+        </p:nvSpPr>
+        <p:spPr/>
+        <p:txBody>
+          <a:bodyPr/>
+          <a:p>
+            <a:r>
+              <a:rPr lang="" altLang="en-US"/>
+              <a:t>PoC/Exploits</a:t>
+            </a:r>
+            <a:endParaRPr lang="" altLang="en-US"/>
+          </a:p>
+        </p:txBody>
+      </p:sp>
+      <p:sp>
+        <p:nvSpPr>
+          <p:cNvPr id="3" name="Content Placeholder 2"/>
+          <p:cNvSpPr>
+            <a:spLocks noGrp="1"/>
+          </p:cNvSpPr>
+          <p:nvPr>
+            <p:ph idx="1"/>
+          </p:nvPr>
+        </p:nvSpPr>
+        <p:spPr/>
+        <p:txBody>
+          <a:bodyPr/>
+          <a:p>
+            <a:r>
+              <a:rPr lang="en-US">
+                <a:hlinkClick r:id="rId1" tooltip="" action="ppaction://hlinkfile"/>
+              </a:rPr>
+              <a:t>https://git.kernel.org/pub/scm/linux/kernel/git/torvalds/linux.git/commit/?id=ccd5b3235180eef3cfec337df1c8554ab151b5cc</a:t>
+            </a:r>
+            <a:endParaRPr lang="en-US"/>
+          </a:p>
+        </p:txBody>
+      </p:sp>
+    </p:spTree>
+  </p:cSld>
+  <p:clrMapOvr>
+    <a:masterClrMapping/>
+  </p:clrMapOvr>
+</p:sld>
+</file>
+
+<file path=ppt/slides/slide9.xml><?xml version="1.0" encoding="utf-8"?>
+<p:sld xmlns:a="http://schemas.openxmlformats.org/drawingml/2006/main" xmlns:r="http://schemas.openxmlformats.org/officeDocument/2006/relationships" xmlns:p="http://schemas.openxmlformats.org/presentationml/2006/main">
+  <p:cSld>
+    <p:spTree>
+      <p:nvGrpSpPr>
+        <p:cNvPr id="1" name=""/>
+        <p:cNvGrpSpPr/>
+        <p:nvPr/>
+      </p:nvGrpSpPr>
+      <p:grpSpPr/>
+      <p:sp>
+        <p:nvSpPr>
+          <p:cNvPr id="2" name="Title 1"/>
+          <p:cNvSpPr>
+            <a:spLocks noGrp="1"/>
+          </p:cNvSpPr>
+          <p:nvPr>
+            <p:ph type="title"/>
+          </p:nvPr>
+        </p:nvSpPr>
+        <p:spPr/>
+        <p:txBody>
+          <a:bodyPr/>
+          <a:p>
+            <a:r>
+              <a:rPr lang="" altLang="en-US"/>
+              <a:t>References</a:t>
+            </a:r>
+            <a:endParaRPr lang="" altLang="en-US"/>
+          </a:p>
+        </p:txBody>
+      </p:sp>
+      <p:sp>
+        <p:nvSpPr>
+          <p:cNvPr id="3" name="Content Placeholder 2"/>
+          <p:cNvSpPr>
+            <a:spLocks noGrp="1"/>
+          </p:cNvSpPr>
+          <p:nvPr>
+            <p:ph idx="1"/>
+          </p:nvPr>
+        </p:nvSpPr>
+        <p:spPr/>
+        <p:txBody>
+          <a:bodyPr/>
+          <a:p>
+            <a:r>
+              <a:rPr lang="en-US">
+                <a:hlinkClick r:id="rId1" tooltip="" action="ppaction://hlinkfile"/>
+              </a:rPr>
+              <a:t>https://nvd.nist.gov/vuln/detail/CVE-2017-17053</a:t>
+            </a:r>
+            <a:endParaRPr lang="en-US">
+              <a:hlinkClick r:id="rId1" tooltip="" action="ppaction://hlinkfile"/>
+            </a:endParaRPr>
+          </a:p>
+          <a:p>
+            <a:r>
+              <a:rPr lang="en-US">
+                <a:hlinkClick r:id="rId2" tooltip="" action="ppaction://hlinkfile"/>
+              </a:rPr>
+              <a:t>https://xorl.wordpress.com/2017/12/03/cve-2017-17053-linux-kernel-ldt-use-after-free/</a:t>
+            </a:r>
+            <a:endParaRPr lang="en-US"/>
+          </a:p>
+          <a:p>
+            <a:r>
+              <a:rPr lang="en-US">
+                <a:hlinkClick r:id="rId3" tooltip=""/>
+              </a:rPr>
+              <a:t>http://kodu.ut.ee/~mroos/turve/2018/referaadid/Referaat_Kesku%CC%88la_CVE-2017-17053.pdf</a:t>
             </a:r>
             <a:endParaRPr lang="en-US"/>
           </a:p>
